--- a/reports/InvestoBot.pptx
+++ b/reports/InvestoBot.pptx
@@ -9,8 +9,8 @@
   </p:notesMasterIdLst>
   <p:sldIdLst>
     <p:sldId id="256" r:id="rId2"/>
-    <p:sldId id="257" r:id="rId3"/>
-    <p:sldId id="258" r:id="rId4"/>
+    <p:sldId id="258" r:id="rId3"/>
+    <p:sldId id="257" r:id="rId4"/>
     <p:sldId id="259" r:id="rId5"/>
     <p:sldId id="260" r:id="rId6"/>
     <p:sldId id="261" r:id="rId7"/>
@@ -14305,7 +14305,7 @@
           <a:p>
             <a:fld id="{0BBBEF8E-BDB8-49C0-9246-4EC4E9C83A1C}" type="datetimeFigureOut">
               <a:rPr lang="en-US" smtClean="0"/>
-              <a:t>12/1/2019</a:t>
+              <a:t>12/3/2019</a:t>
             </a:fld>
             <a:endParaRPr lang="en-US"/>
           </a:p>
@@ -14719,7 +14719,7 @@
           <a:p>
             <a:fld id="{51F1294D-F75D-4C47-B805-488535764699}" type="datetimeFigureOut">
               <a:rPr lang="en-US" smtClean="0"/>
-              <a:t>12/1/2019</a:t>
+              <a:t>12/3/2019</a:t>
             </a:fld>
             <a:endParaRPr lang="en-US"/>
           </a:p>
@@ -14917,7 +14917,7 @@
           <a:p>
             <a:fld id="{51F1294D-F75D-4C47-B805-488535764699}" type="datetimeFigureOut">
               <a:rPr lang="en-US" smtClean="0"/>
-              <a:t>12/1/2019</a:t>
+              <a:t>12/3/2019</a:t>
             </a:fld>
             <a:endParaRPr lang="en-US"/>
           </a:p>
@@ -15125,7 +15125,7 @@
           <a:p>
             <a:fld id="{51F1294D-F75D-4C47-B805-488535764699}" type="datetimeFigureOut">
               <a:rPr lang="en-US" smtClean="0"/>
-              <a:t>12/1/2019</a:t>
+              <a:t>12/3/2019</a:t>
             </a:fld>
             <a:endParaRPr lang="en-US"/>
           </a:p>
@@ -15323,7 +15323,7 @@
           <a:p>
             <a:fld id="{51F1294D-F75D-4C47-B805-488535764699}" type="datetimeFigureOut">
               <a:rPr lang="en-US" smtClean="0"/>
-              <a:t>12/1/2019</a:t>
+              <a:t>12/3/2019</a:t>
             </a:fld>
             <a:endParaRPr lang="en-US"/>
           </a:p>
@@ -15598,7 +15598,7 @@
           <a:p>
             <a:fld id="{51F1294D-F75D-4C47-B805-488535764699}" type="datetimeFigureOut">
               <a:rPr lang="en-US" smtClean="0"/>
-              <a:t>12/1/2019</a:t>
+              <a:t>12/3/2019</a:t>
             </a:fld>
             <a:endParaRPr lang="en-US"/>
           </a:p>
@@ -15863,7 +15863,7 @@
           <a:p>
             <a:fld id="{51F1294D-F75D-4C47-B805-488535764699}" type="datetimeFigureOut">
               <a:rPr lang="en-US" smtClean="0"/>
-              <a:t>12/1/2019</a:t>
+              <a:t>12/3/2019</a:t>
             </a:fld>
             <a:endParaRPr lang="en-US"/>
           </a:p>
@@ -16275,7 +16275,7 @@
           <a:p>
             <a:fld id="{51F1294D-F75D-4C47-B805-488535764699}" type="datetimeFigureOut">
               <a:rPr lang="en-US" smtClean="0"/>
-              <a:t>12/1/2019</a:t>
+              <a:t>12/3/2019</a:t>
             </a:fld>
             <a:endParaRPr lang="en-US"/>
           </a:p>
@@ -16416,7 +16416,7 @@
           <a:p>
             <a:fld id="{51F1294D-F75D-4C47-B805-488535764699}" type="datetimeFigureOut">
               <a:rPr lang="en-US" smtClean="0"/>
-              <a:t>12/1/2019</a:t>
+              <a:t>12/3/2019</a:t>
             </a:fld>
             <a:endParaRPr lang="en-US"/>
           </a:p>
@@ -16529,7 +16529,7 @@
           <a:p>
             <a:fld id="{51F1294D-F75D-4C47-B805-488535764699}" type="datetimeFigureOut">
               <a:rPr lang="en-US" smtClean="0"/>
-              <a:t>12/1/2019</a:t>
+              <a:t>12/3/2019</a:t>
             </a:fld>
             <a:endParaRPr lang="en-US"/>
           </a:p>
@@ -16840,7 +16840,7 @@
           <a:p>
             <a:fld id="{51F1294D-F75D-4C47-B805-488535764699}" type="datetimeFigureOut">
               <a:rPr lang="en-US" smtClean="0"/>
-              <a:t>12/1/2019</a:t>
+              <a:t>12/3/2019</a:t>
             </a:fld>
             <a:endParaRPr lang="en-US"/>
           </a:p>
@@ -17128,7 +17128,7 @@
           <a:p>
             <a:fld id="{51F1294D-F75D-4C47-B805-488535764699}" type="datetimeFigureOut">
               <a:rPr lang="en-US" smtClean="0"/>
-              <a:t>12/1/2019</a:t>
+              <a:t>12/3/2019</a:t>
             </a:fld>
             <a:endParaRPr lang="en-US"/>
           </a:p>
@@ -17369,7 +17369,7 @@
           <a:p>
             <a:fld id="{51F1294D-F75D-4C47-B805-488535764699}" type="datetimeFigureOut">
               <a:rPr lang="en-US" smtClean="0"/>
-              <a:t>12/1/2019</a:t>
+              <a:t>12/3/2019</a:t>
             </a:fld>
             <a:endParaRPr lang="en-US"/>
           </a:p>
@@ -19207,16 +19207,12 @@
                         <a:defRPr/>
                       </a:pPr>
                       <a:r>
-                        <a:rPr lang="en-US" dirty="0" err="1">
+                        <a:rPr lang="en-US" dirty="0">
                           <a:latin typeface="Times New Roman" panose="02020603050405020304" pitchFamily="18" charset="0"/>
                           <a:cs typeface="Times New Roman" panose="02020603050405020304" pitchFamily="18" charset="0"/>
                         </a:rPr>
                         <a:t>XGBoost</a:t>
                       </a:r>
-                      <a:endParaRPr lang="en-US" dirty="0">
-                        <a:latin typeface="Times New Roman" panose="02020603050405020304" pitchFamily="18" charset="0"/>
-                        <a:cs typeface="Times New Roman" panose="02020603050405020304" pitchFamily="18" charset="0"/>
-                      </a:endParaRPr>
                     </a:p>
                   </a:txBody>
                   <a:tcPr/>
@@ -20590,7 +20586,7 @@
           <a:graphicData uri="http://schemas.openxmlformats.org/presentationml/2006/ole">
             <mc:AlternateContent xmlns:mc="http://schemas.openxmlformats.org/markup-compatibility/2006">
               <mc:Choice xmlns:v="urn:schemas-microsoft-com:vml" Requires="v">
-                <p:oleObj spid="_x0000_s3100" name="Macro-Enabled Worksheet" showAsIcon="1" r:id="rId5" imgW="914282" imgH="792690" progId="Excel.SheetMacroEnabled.12">
+                <p:oleObj spid="_x0000_s3110" name="Macro-Enabled Worksheet" showAsIcon="1" r:id="rId5" imgW="914282" imgH="792690" progId="Excel.SheetMacroEnabled.12">
                   <p:embed/>
                 </p:oleObj>
               </mc:Choice>
@@ -20816,11 +20812,7 @@
                 <a:latin typeface="Times New Roman" panose="02020603050405020304" pitchFamily="18" charset="0"/>
                 <a:cs typeface="Times New Roman" panose="02020603050405020304" pitchFamily="18" charset="0"/>
               </a:rPr>
-              <a:t>Flow</a:t>
-            </a:r>
-            <a:r>
-              <a:rPr lang="en-US" dirty="0"/>
-              <a:t>:</a:t>
+              <a:t>Introduction</a:t>
             </a:r>
           </a:p>
         </p:txBody>
@@ -20844,146 +20836,117 @@
         <p:spPr>
           <a:xfrm>
             <a:off x="838200" y="1642188"/>
-            <a:ext cx="10515600" cy="4534775"/>
+            <a:ext cx="9602755" cy="4534775"/>
           </a:xfrm>
         </p:spPr>
         <p:txBody>
           <a:bodyPr>
-            <a:normAutofit fontScale="92500" lnSpcReduction="20000"/>
+            <a:normAutofit/>
           </a:bodyPr>
           <a:lstStyle/>
           <a:p>
-            <a:pPr marL="514350" indent="-514350">
-              <a:buFont typeface="+mj-lt"/>
-              <a:buAutoNum type="arabicParenR"/>
+            <a:pPr marL="0" indent="0">
+              <a:buNone/>
             </a:pPr>
             <a:r>
               <a:rPr lang="en-US" dirty="0">
                 <a:latin typeface="Times New Roman" panose="02020603050405020304" pitchFamily="18" charset="0"/>
                 <a:cs typeface="Times New Roman" panose="02020603050405020304" pitchFamily="18" charset="0"/>
               </a:rPr>
-              <a:t>Introduction</a:t>
+              <a:t>Create an intelligent virtual human who can help customers    with:</a:t>
             </a:r>
           </a:p>
           <a:p>
-            <a:pPr marL="514350" indent="-514350">
-              <a:buFont typeface="+mj-lt"/>
-              <a:buAutoNum type="arabicParenR"/>
-            </a:pPr>
-            <a:endParaRPr lang="en-US" dirty="0">
-              <a:latin typeface="Times New Roman" panose="02020603050405020304" pitchFamily="18" charset="0"/>
-              <a:cs typeface="Times New Roman" panose="02020603050405020304" pitchFamily="18" charset="0"/>
-            </a:endParaRPr>
-          </a:p>
-          <a:p>
-            <a:pPr marL="514350" indent="-514350">
+            <a:pPr marL="1371600" lvl="2" indent="-457200">
               <a:buFont typeface="+mj-lt"/>
               <a:buAutoNum type="arabicParenR"/>
             </a:pPr>
             <a:r>
-              <a:rPr lang="en-US" dirty="0">
+              <a:rPr lang="en-US" sz="2800" dirty="0">
                 <a:latin typeface="Times New Roman" panose="02020603050405020304" pitchFamily="18" charset="0"/>
                 <a:cs typeface="Times New Roman" panose="02020603050405020304" pitchFamily="18" charset="0"/>
               </a:rPr>
-              <a:t>Data &amp; Preprocessing</a:t>
+              <a:t>Investment related queries</a:t>
             </a:r>
           </a:p>
           <a:p>
-            <a:pPr marL="514350" indent="-514350">
-              <a:buFont typeface="+mj-lt"/>
-              <a:buAutoNum type="arabicParenR"/>
-            </a:pPr>
-            <a:endParaRPr lang="en-US" dirty="0">
-              <a:latin typeface="Times New Roman" panose="02020603050405020304" pitchFamily="18" charset="0"/>
-              <a:cs typeface="Times New Roman" panose="02020603050405020304" pitchFamily="18" charset="0"/>
-            </a:endParaRPr>
-          </a:p>
-          <a:p>
-            <a:pPr marL="514350" indent="-514350">
+            <a:pPr marL="1371600" lvl="2" indent="-457200">
               <a:buFont typeface="+mj-lt"/>
               <a:buAutoNum type="arabicParenR"/>
             </a:pPr>
             <a:r>
-              <a:rPr lang="en-US" dirty="0">
+              <a:rPr lang="en-US" sz="2800" dirty="0">
                 <a:latin typeface="Times New Roman" panose="02020603050405020304" pitchFamily="18" charset="0"/>
                 <a:cs typeface="Times New Roman" panose="02020603050405020304" pitchFamily="18" charset="0"/>
               </a:rPr>
-              <a:t>Data Flow &amp; NLP engine</a:t>
+              <a:t>Get current stock values</a:t>
             </a:r>
           </a:p>
           <a:p>
-            <a:pPr marL="514350" indent="-514350">
-              <a:buFont typeface="+mj-lt"/>
-              <a:buAutoNum type="arabicParenR"/>
-            </a:pPr>
-            <a:endParaRPr lang="en-US" dirty="0">
-              <a:latin typeface="Times New Roman" panose="02020603050405020304" pitchFamily="18" charset="0"/>
-              <a:cs typeface="Times New Roman" panose="02020603050405020304" pitchFamily="18" charset="0"/>
-            </a:endParaRPr>
-          </a:p>
-          <a:p>
-            <a:pPr marL="514350" indent="-514350">
+            <a:pPr marL="1371600" lvl="2" indent="-457200">
               <a:buFont typeface="+mj-lt"/>
               <a:buAutoNum type="arabicParenR"/>
             </a:pPr>
             <a:r>
-              <a:rPr lang="en-US" dirty="0">
+              <a:rPr lang="en-US" sz="2800" dirty="0">
                 <a:latin typeface="Times New Roman" panose="02020603050405020304" pitchFamily="18" charset="0"/>
                 <a:cs typeface="Times New Roman" panose="02020603050405020304" pitchFamily="18" charset="0"/>
               </a:rPr>
-              <a:t>Portfolio Optimization</a:t>
+              <a:t>Perform portfolio optimization</a:t>
             </a:r>
           </a:p>
           <a:p>
-            <a:pPr marL="514350" indent="-514350">
-              <a:buFont typeface="+mj-lt"/>
-              <a:buAutoNum type="arabicParenR"/>
-            </a:pPr>
-            <a:endParaRPr lang="en-US" dirty="0">
-              <a:latin typeface="Times New Roman" panose="02020603050405020304" pitchFamily="18" charset="0"/>
-              <a:cs typeface="Times New Roman" panose="02020603050405020304" pitchFamily="18" charset="0"/>
-            </a:endParaRPr>
-          </a:p>
-          <a:p>
-            <a:pPr marL="514350" indent="-514350">
+            <a:pPr marL="1371600" lvl="2" indent="-457200">
               <a:buFont typeface="+mj-lt"/>
               <a:buAutoNum type="arabicParenR"/>
             </a:pPr>
             <a:r>
-              <a:rPr lang="en-US" dirty="0">
+              <a:rPr lang="en-US" sz="2800" dirty="0">
                 <a:latin typeface="Times New Roman" panose="02020603050405020304" pitchFamily="18" charset="0"/>
                 <a:cs typeface="Times New Roman" panose="02020603050405020304" pitchFamily="18" charset="0"/>
               </a:rPr>
-              <a:t>Stock Predication</a:t>
+              <a:t>Predict stocks</a:t>
             </a:r>
           </a:p>
           <a:p>
-            <a:pPr marL="514350" indent="-514350">
-              <a:buFont typeface="+mj-lt"/>
-              <a:buAutoNum type="arabicParenR"/>
-            </a:pPr>
-            <a:endParaRPr lang="en-US" dirty="0">
-              <a:latin typeface="Times New Roman" panose="02020603050405020304" pitchFamily="18" charset="0"/>
-              <a:cs typeface="Times New Roman" panose="02020603050405020304" pitchFamily="18" charset="0"/>
-            </a:endParaRPr>
-          </a:p>
-          <a:p>
-            <a:pPr marL="514350" indent="-514350">
+            <a:pPr marL="1371600" lvl="2" indent="-457200">
               <a:buFont typeface="+mj-lt"/>
               <a:buAutoNum type="arabicParenR"/>
             </a:pPr>
             <a:r>
-              <a:rPr lang="en-US" dirty="0">
+              <a:rPr lang="en-US" sz="2800" dirty="0">
                 <a:latin typeface="Times New Roman" panose="02020603050405020304" pitchFamily="18" charset="0"/>
                 <a:cs typeface="Times New Roman" panose="02020603050405020304" pitchFamily="18" charset="0"/>
               </a:rPr>
-              <a:t>Slack Integration &amp; Demo</a:t>
+              <a:t>Deploy it on AWS and Integrate it with Slack</a:t>
             </a:r>
           </a:p>
           <a:p>
-            <a:pPr marL="514350" indent="-514350">
+            <a:pPr marL="914400" lvl="2" indent="0">
+              <a:buNone/>
+            </a:pPr>
+            <a:endParaRPr lang="en-US" dirty="0"/>
+          </a:p>
+          <a:p>
+            <a:pPr marL="1371600" lvl="2" indent="-457200">
               <a:buFont typeface="+mj-lt"/>
               <a:buAutoNum type="arabicParenR"/>
+            </a:pPr>
+            <a:endParaRPr lang="en-US" dirty="0"/>
+          </a:p>
+          <a:p>
+            <a:pPr marL="1828800" lvl="4" indent="0">
+              <a:buNone/>
+            </a:pPr>
+            <a:r>
+              <a:rPr lang="en-US" dirty="0"/>
+              <a:t>			</a:t>
+            </a:r>
+          </a:p>
+          <a:p>
+            <a:pPr>
+              <a:buFont typeface="Wingdings" panose="05000000000000000000" pitchFamily="2" charset="2"/>
+              <a:buChar char="Ø"/>
             </a:pPr>
             <a:endParaRPr lang="en-US" dirty="0"/>
           </a:p>
@@ -21011,7 +20974,7 @@
         </p:blipFill>
         <p:spPr>
           <a:xfrm>
-            <a:off x="9744198" y="139265"/>
+            <a:off x="10033236" y="139265"/>
             <a:ext cx="1969324" cy="2203414"/>
           </a:xfrm>
           <a:prstGeom prst="rect">
@@ -21022,7 +20985,7 @@
     </p:spTree>
     <p:extLst>
       <p:ext uri="{BB962C8B-B14F-4D97-AF65-F5344CB8AC3E}">
-        <p14:creationId xmlns:p14="http://schemas.microsoft.com/office/powerpoint/2010/main" val="2339852283"/>
+        <p14:creationId xmlns:p14="http://schemas.microsoft.com/office/powerpoint/2010/main" val="2575211133"/>
       </p:ext>
     </p:extLst>
   </p:cSld>
@@ -21476,10 +21439,10 @@
       </p:pic>
       <p:pic>
         <p:nvPicPr>
-          <p:cNvPr id="6" name="Picture 5">
+          <p:cNvPr id="7" name="Picture 6">
             <a:extLst>
               <a:ext uri="{FF2B5EF4-FFF2-40B4-BE49-F238E27FC236}">
-                <a16:creationId xmlns:a16="http://schemas.microsoft.com/office/drawing/2014/main" id="{2C31DA8C-5F38-4195-B035-74697E6E87EF}"/>
+                <a16:creationId xmlns:a16="http://schemas.microsoft.com/office/drawing/2014/main" id="{607CD51B-EEFD-439C-A125-C48A552B6CEE}"/>
               </a:ext>
             </a:extLst>
           </p:cNvPr>
@@ -21488,15 +21451,46 @@
           </p:cNvPicPr>
           <p:nvPr/>
         </p:nvPicPr>
-        <p:blipFill rotWithShape="1">
+        <p:blipFill>
           <a:blip r:embed="rId3"/>
-          <a:srcRect t="6440"/>
-          <a:stretch/>
+          <a:stretch>
+            <a:fillRect/>
+          </a:stretch>
         </p:blipFill>
         <p:spPr>
           <a:xfrm>
-            <a:off x="725474" y="1835663"/>
-            <a:ext cx="8977604" cy="4817680"/>
+            <a:off x="76713" y="1580515"/>
+            <a:ext cx="8994775" cy="2536180"/>
+          </a:xfrm>
+          <a:prstGeom prst="rect">
+            <a:avLst/>
+          </a:prstGeom>
+        </p:spPr>
+      </p:pic>
+      <p:pic>
+        <p:nvPicPr>
+          <p:cNvPr id="8" name="Picture 7">
+            <a:extLst>
+              <a:ext uri="{FF2B5EF4-FFF2-40B4-BE49-F238E27FC236}">
+                <a16:creationId xmlns:a16="http://schemas.microsoft.com/office/drawing/2014/main" id="{3880AA6E-BFF0-4D7D-B8D6-25322B18C09F}"/>
+              </a:ext>
+            </a:extLst>
+          </p:cNvPr>
+          <p:cNvPicPr>
+            <a:picLocks noChangeAspect="1"/>
+          </p:cNvPicPr>
+          <p:nvPr/>
+        </p:nvPicPr>
+        <p:blipFill>
+          <a:blip r:embed="rId4"/>
+          <a:stretch>
+            <a:fillRect/>
+          </a:stretch>
+        </p:blipFill>
+        <p:spPr>
+          <a:xfrm>
+            <a:off x="4274409" y="3744991"/>
+            <a:ext cx="7511191" cy="3064987"/>
           </a:xfrm>
           <a:prstGeom prst="rect">
             <a:avLst/>
@@ -22825,7 +22819,11 @@
                 <a:latin typeface="Times New Roman" panose="02020603050405020304" pitchFamily="18" charset="0"/>
                 <a:cs typeface="Times New Roman" panose="02020603050405020304" pitchFamily="18" charset="0"/>
               </a:rPr>
-              <a:t>Introduction</a:t>
+              <a:t>Flow</a:t>
+            </a:r>
+            <a:r>
+              <a:rPr lang="en-US" dirty="0"/>
+              <a:t>:</a:t>
             </a:r>
           </a:p>
         </p:txBody>
@@ -22849,117 +22847,146 @@
         <p:spPr>
           <a:xfrm>
             <a:off x="838200" y="1642188"/>
-            <a:ext cx="9602755" cy="4534775"/>
+            <a:ext cx="10515600" cy="4534775"/>
           </a:xfrm>
         </p:spPr>
         <p:txBody>
           <a:bodyPr>
-            <a:normAutofit/>
+            <a:normAutofit fontScale="92500" lnSpcReduction="20000"/>
           </a:bodyPr>
           <a:lstStyle/>
           <a:p>
-            <a:pPr marL="0" indent="0">
-              <a:buNone/>
+            <a:pPr marL="514350" indent="-514350">
+              <a:buFont typeface="+mj-lt"/>
+              <a:buAutoNum type="arabicParenR"/>
             </a:pPr>
             <a:r>
               <a:rPr lang="en-US" dirty="0">
                 <a:latin typeface="Times New Roman" panose="02020603050405020304" pitchFamily="18" charset="0"/>
                 <a:cs typeface="Times New Roman" panose="02020603050405020304" pitchFamily="18" charset="0"/>
               </a:rPr>
-              <a:t>Create an intelligent virtual human who can help customers    with:</a:t>
+              <a:t>Introduction</a:t>
             </a:r>
           </a:p>
           <a:p>
-            <a:pPr marL="1371600" lvl="2" indent="-457200">
+            <a:pPr marL="514350" indent="-514350">
+              <a:buFont typeface="+mj-lt"/>
+              <a:buAutoNum type="arabicParenR"/>
+            </a:pPr>
+            <a:endParaRPr lang="en-US" dirty="0">
+              <a:latin typeface="Times New Roman" panose="02020603050405020304" pitchFamily="18" charset="0"/>
+              <a:cs typeface="Times New Roman" panose="02020603050405020304" pitchFamily="18" charset="0"/>
+            </a:endParaRPr>
+          </a:p>
+          <a:p>
+            <a:pPr marL="514350" indent="-514350">
               <a:buFont typeface="+mj-lt"/>
               <a:buAutoNum type="arabicParenR"/>
             </a:pPr>
             <a:r>
-              <a:rPr lang="en-US" sz="2800" dirty="0">
+              <a:rPr lang="en-US" dirty="0">
                 <a:latin typeface="Times New Roman" panose="02020603050405020304" pitchFamily="18" charset="0"/>
                 <a:cs typeface="Times New Roman" panose="02020603050405020304" pitchFamily="18" charset="0"/>
               </a:rPr>
-              <a:t>Investment related queries</a:t>
+              <a:t>Data &amp; Preprocessing</a:t>
             </a:r>
           </a:p>
           <a:p>
-            <a:pPr marL="1371600" lvl="2" indent="-457200">
+            <a:pPr marL="514350" indent="-514350">
+              <a:buFont typeface="+mj-lt"/>
+              <a:buAutoNum type="arabicParenR"/>
+            </a:pPr>
+            <a:endParaRPr lang="en-US" dirty="0">
+              <a:latin typeface="Times New Roman" panose="02020603050405020304" pitchFamily="18" charset="0"/>
+              <a:cs typeface="Times New Roman" panose="02020603050405020304" pitchFamily="18" charset="0"/>
+            </a:endParaRPr>
+          </a:p>
+          <a:p>
+            <a:pPr marL="514350" indent="-514350">
               <a:buFont typeface="+mj-lt"/>
               <a:buAutoNum type="arabicParenR"/>
             </a:pPr>
             <a:r>
-              <a:rPr lang="en-US" sz="2800" dirty="0">
+              <a:rPr lang="en-US" dirty="0">
                 <a:latin typeface="Times New Roman" panose="02020603050405020304" pitchFamily="18" charset="0"/>
                 <a:cs typeface="Times New Roman" panose="02020603050405020304" pitchFamily="18" charset="0"/>
               </a:rPr>
-              <a:t>Get current stock values</a:t>
+              <a:t>Data Flow &amp; NLP engine</a:t>
             </a:r>
           </a:p>
           <a:p>
-            <a:pPr marL="1371600" lvl="2" indent="-457200">
+            <a:pPr marL="514350" indent="-514350">
+              <a:buFont typeface="+mj-lt"/>
+              <a:buAutoNum type="arabicParenR"/>
+            </a:pPr>
+            <a:endParaRPr lang="en-US" dirty="0">
+              <a:latin typeface="Times New Roman" panose="02020603050405020304" pitchFamily="18" charset="0"/>
+              <a:cs typeface="Times New Roman" panose="02020603050405020304" pitchFamily="18" charset="0"/>
+            </a:endParaRPr>
+          </a:p>
+          <a:p>
+            <a:pPr marL="514350" indent="-514350">
               <a:buFont typeface="+mj-lt"/>
               <a:buAutoNum type="arabicParenR"/>
             </a:pPr>
             <a:r>
-              <a:rPr lang="en-US" sz="2800" dirty="0">
+              <a:rPr lang="en-US" dirty="0">
                 <a:latin typeface="Times New Roman" panose="02020603050405020304" pitchFamily="18" charset="0"/>
                 <a:cs typeface="Times New Roman" panose="02020603050405020304" pitchFamily="18" charset="0"/>
               </a:rPr>
-              <a:t>Perform portfolio optimization</a:t>
+              <a:t>Portfolio Optimization</a:t>
             </a:r>
           </a:p>
           <a:p>
-            <a:pPr marL="1371600" lvl="2" indent="-457200">
+            <a:pPr marL="514350" indent="-514350">
+              <a:buFont typeface="+mj-lt"/>
+              <a:buAutoNum type="arabicParenR"/>
+            </a:pPr>
+            <a:endParaRPr lang="en-US" dirty="0">
+              <a:latin typeface="Times New Roman" panose="02020603050405020304" pitchFamily="18" charset="0"/>
+              <a:cs typeface="Times New Roman" panose="02020603050405020304" pitchFamily="18" charset="0"/>
+            </a:endParaRPr>
+          </a:p>
+          <a:p>
+            <a:pPr marL="514350" indent="-514350">
               <a:buFont typeface="+mj-lt"/>
               <a:buAutoNum type="arabicParenR"/>
             </a:pPr>
             <a:r>
-              <a:rPr lang="en-US" sz="2800" dirty="0">
+              <a:rPr lang="en-US" dirty="0">
                 <a:latin typeface="Times New Roman" panose="02020603050405020304" pitchFamily="18" charset="0"/>
                 <a:cs typeface="Times New Roman" panose="02020603050405020304" pitchFamily="18" charset="0"/>
               </a:rPr>
-              <a:t>Predict stocks</a:t>
+              <a:t>Stock Prediction</a:t>
             </a:r>
           </a:p>
           <a:p>
-            <a:pPr marL="1371600" lvl="2" indent="-457200">
+            <a:pPr marL="514350" indent="-514350">
+              <a:buFont typeface="+mj-lt"/>
+              <a:buAutoNum type="arabicParenR"/>
+            </a:pPr>
+            <a:endParaRPr lang="en-US" dirty="0">
+              <a:latin typeface="Times New Roman" panose="02020603050405020304" pitchFamily="18" charset="0"/>
+              <a:cs typeface="Times New Roman" panose="02020603050405020304" pitchFamily="18" charset="0"/>
+            </a:endParaRPr>
+          </a:p>
+          <a:p>
+            <a:pPr marL="514350" indent="-514350">
               <a:buFont typeface="+mj-lt"/>
               <a:buAutoNum type="arabicParenR"/>
             </a:pPr>
             <a:r>
-              <a:rPr lang="en-US" sz="2800" dirty="0">
+              <a:rPr lang="en-US" dirty="0">
                 <a:latin typeface="Times New Roman" panose="02020603050405020304" pitchFamily="18" charset="0"/>
                 <a:cs typeface="Times New Roman" panose="02020603050405020304" pitchFamily="18" charset="0"/>
               </a:rPr>
-              <a:t>Deploy it on AWS and Integrate it with Slack</a:t>
+              <a:t>Slack Integration &amp; Demo</a:t>
             </a:r>
           </a:p>
           <a:p>
-            <a:pPr marL="914400" lvl="2" indent="0">
-              <a:buNone/>
-            </a:pPr>
-            <a:endParaRPr lang="en-US" dirty="0"/>
-          </a:p>
-          <a:p>
-            <a:pPr marL="1371600" lvl="2" indent="-457200">
+            <a:pPr marL="514350" indent="-514350">
               <a:buFont typeface="+mj-lt"/>
               <a:buAutoNum type="arabicParenR"/>
-            </a:pPr>
-            <a:endParaRPr lang="en-US" dirty="0"/>
-          </a:p>
-          <a:p>
-            <a:pPr marL="1828800" lvl="4" indent="0">
-              <a:buNone/>
-            </a:pPr>
-            <a:r>
-              <a:rPr lang="en-US" dirty="0"/>
-              <a:t>			</a:t>
-            </a:r>
-          </a:p>
-          <a:p>
-            <a:pPr>
-              <a:buFont typeface="Wingdings" panose="05000000000000000000" pitchFamily="2" charset="2"/>
-              <a:buChar char="Ø"/>
             </a:pPr>
             <a:endParaRPr lang="en-US" dirty="0"/>
           </a:p>
@@ -22987,7 +23014,7 @@
         </p:blipFill>
         <p:spPr>
           <a:xfrm>
-            <a:off x="10033236" y="139265"/>
+            <a:off x="9744198" y="139265"/>
             <a:ext cx="1969324" cy="2203414"/>
           </a:xfrm>
           <a:prstGeom prst="rect">
@@ -22998,7 +23025,7 @@
     </p:spTree>
     <p:extLst>
       <p:ext uri="{BB962C8B-B14F-4D97-AF65-F5344CB8AC3E}">
-        <p14:creationId xmlns:p14="http://schemas.microsoft.com/office/powerpoint/2010/main" val="2575211133"/>
+        <p14:creationId xmlns:p14="http://schemas.microsoft.com/office/powerpoint/2010/main" val="2339852283"/>
       </p:ext>
     </p:extLst>
   </p:cSld>
@@ -24248,10 +24275,10 @@
       </p:pic>
       <p:pic>
         <p:nvPicPr>
-          <p:cNvPr id="5" name="Picture 4">
+          <p:cNvPr id="6" name="Picture 5">
             <a:extLst>
               <a:ext uri="{FF2B5EF4-FFF2-40B4-BE49-F238E27FC236}">
-                <a16:creationId xmlns:a16="http://schemas.microsoft.com/office/drawing/2014/main" id="{DFE4D806-6A04-4448-9D30-109AFCBD889D}"/>
+                <a16:creationId xmlns:a16="http://schemas.microsoft.com/office/drawing/2014/main" id="{FD93E85C-640A-4F98-9020-1908A58E64E9}"/>
               </a:ext>
             </a:extLst>
           </p:cNvPr>
@@ -24268,68 +24295,8 @@
         </p:blipFill>
         <p:spPr>
           <a:xfrm>
-            <a:off x="189440" y="1688598"/>
-            <a:ext cx="5940100" cy="1589128"/>
-          </a:xfrm>
-          <a:prstGeom prst="rect">
-            <a:avLst/>
-          </a:prstGeom>
-        </p:spPr>
-      </p:pic>
-      <p:pic>
-        <p:nvPicPr>
-          <p:cNvPr id="7" name="Picture 6">
-            <a:extLst>
-              <a:ext uri="{FF2B5EF4-FFF2-40B4-BE49-F238E27FC236}">
-                <a16:creationId xmlns:a16="http://schemas.microsoft.com/office/drawing/2014/main" id="{F3852130-04FA-4B03-A230-A4D1AFAFB208}"/>
-              </a:ext>
-            </a:extLst>
-          </p:cNvPr>
-          <p:cNvPicPr>
-            <a:picLocks noChangeAspect="1"/>
-          </p:cNvPicPr>
-          <p:nvPr/>
-        </p:nvPicPr>
-        <p:blipFill>
-          <a:blip r:embed="rId4"/>
-          <a:stretch>
-            <a:fillRect/>
-          </a:stretch>
-        </p:blipFill>
-        <p:spPr>
-          <a:xfrm>
-            <a:off x="189440" y="3337778"/>
-            <a:ext cx="6655836" cy="825734"/>
-          </a:xfrm>
-          <a:prstGeom prst="rect">
-            <a:avLst/>
-          </a:prstGeom>
-        </p:spPr>
-      </p:pic>
-      <p:pic>
-        <p:nvPicPr>
-          <p:cNvPr id="8" name="Picture 7">
-            <a:extLst>
-              <a:ext uri="{FF2B5EF4-FFF2-40B4-BE49-F238E27FC236}">
-                <a16:creationId xmlns:a16="http://schemas.microsoft.com/office/drawing/2014/main" id="{3F102E48-58A3-4B8F-BDC2-4726A6E86209}"/>
-              </a:ext>
-            </a:extLst>
-          </p:cNvPr>
-          <p:cNvPicPr>
-            <a:picLocks noChangeAspect="1"/>
-          </p:cNvPicPr>
-          <p:nvPr/>
-        </p:nvPicPr>
-        <p:blipFill>
-          <a:blip r:embed="rId5"/>
-          <a:stretch>
-            <a:fillRect/>
-          </a:stretch>
-        </p:blipFill>
-        <p:spPr>
-          <a:xfrm>
-            <a:off x="2659226" y="4223564"/>
-            <a:ext cx="8929396" cy="2376418"/>
+            <a:off x="1186774" y="1752766"/>
+            <a:ext cx="7879405" cy="4506644"/>
           </a:xfrm>
           <a:prstGeom prst="rect">
             <a:avLst/>
